--- a/Projet WEB.pptx
+++ b/Projet WEB.pptx
@@ -111,6 +111,11 @@
       </a:defRPr>
     </a:lvl9pPr>
   </p:defaultTextStyle>
+  <p:extLst>
+    <p:ext uri="{EFAFB233-063F-42B5-8137-9DF3F51BA10A}">
+      <p15:sldGuideLst xmlns:p15="http://schemas.microsoft.com/office/powerpoint/2012/main"/>
+    </p:ext>
+  </p:extLst>
 </p:presentation>
 </file>
 
@@ -3546,17 +3551,27 @@
         </p:nvSpPr>
         <p:spPr>
           <a:xfrm>
-            <a:off x="1524000" y="1914489"/>
+            <a:off x="1501698" y="687855"/>
             <a:ext cx="9144000" cy="2387600"/>
           </a:xfrm>
         </p:spPr>
         <p:txBody>
-          <a:bodyPr/>
-          <a:lstStyle/>
-          <a:p>
-            <a:r>
-              <a:rPr lang="fr-FR" dirty="0"/>
-              <a:t>Projet WEB : Mesure de la pollution atmosphérique</a:t>
+          <a:bodyPr>
+            <a:normAutofit/>
+          </a:bodyPr>
+          <a:lstStyle/>
+          <a:p>
+            <a:r>
+              <a:rPr lang="fr-FR" b="1" dirty="0">
+                <a:solidFill>
+                  <a:schemeClr val="accent1">
+                    <a:lumMod val="50000"/>
+                  </a:schemeClr>
+                </a:solidFill>
+                <a:latin typeface="+mn-lt"/>
+                <a:cs typeface="Arial Hebrew" pitchFamily="2" charset="-79"/>
+              </a:rPr>
+              <a:t>Projet WEB B : Mesure de la pollution atmosphérique</a:t>
             </a:r>
           </a:p>
         </p:txBody>
@@ -3590,8 +3605,108 @@
           <a:lstStyle/>
           <a:p>
             <a:r>
-              <a:rPr lang="fr-FR" dirty="0"/>
+              <a:rPr lang="fr-FR" dirty="0">
+                <a:solidFill>
+                  <a:schemeClr val="bg2">
+                    <a:lumMod val="50000"/>
+                  </a:schemeClr>
+                </a:solidFill>
+              </a:rPr>
               <a:t>Groupe D2a</a:t>
+            </a:r>
+          </a:p>
+        </p:txBody>
+      </p:sp>
+      <p:sp>
+        <p:nvSpPr>
+          <p:cNvPr id="3" name="ZoneTexte 2">
+            <a:extLst>
+              <a:ext uri="{FF2B5EF4-FFF2-40B4-BE49-F238E27FC236}">
+                <a16:creationId xmlns:a16="http://schemas.microsoft.com/office/drawing/2014/main" id="{3D5182D7-E7F4-C941-9396-39B9B1C6866F}"/>
+              </a:ext>
+            </a:extLst>
+          </p:cNvPr>
+          <p:cNvSpPr txBox="1"/>
+          <p:nvPr/>
+        </p:nvSpPr>
+        <p:spPr>
+          <a:xfrm>
+            <a:off x="4560849" y="3757961"/>
+            <a:ext cx="2720897" cy="1323439"/>
+          </a:xfrm>
+          <a:prstGeom prst="rect">
+            <a:avLst/>
+          </a:prstGeom>
+          <a:noFill/>
+        </p:spPr>
+        <p:txBody>
+          <a:bodyPr wrap="square" rtlCol="0">
+            <a:spAutoFit/>
+          </a:bodyPr>
+          <a:lstStyle/>
+          <a:p>
+            <a:r>
+              <a:rPr lang="fr-FR" sz="2000" dirty="0">
+                <a:solidFill>
+                  <a:schemeClr val="bg2">
+                    <a:lumMod val="50000"/>
+                  </a:schemeClr>
+                </a:solidFill>
+              </a:rPr>
+              <a:t>Axel VOLTEAU</a:t>
+            </a:r>
+          </a:p>
+          <a:p>
+            <a:r>
+              <a:rPr lang="fr-FR" sz="2000" dirty="0" err="1">
+                <a:solidFill>
+                  <a:schemeClr val="bg2">
+                    <a:lumMod val="50000"/>
+                  </a:schemeClr>
+                </a:solidFill>
+              </a:rPr>
+              <a:t>Matheo</a:t>
+            </a:r>
+            <a:r>
+              <a:rPr lang="fr-FR" sz="2000" dirty="0">
+                <a:solidFill>
+                  <a:schemeClr val="bg2">
+                    <a:lumMod val="50000"/>
+                  </a:schemeClr>
+                </a:solidFill>
+              </a:rPr>
+              <a:t> RENOUF-SABIN </a:t>
+            </a:r>
+          </a:p>
+          <a:p>
+            <a:r>
+              <a:rPr lang="fr-FR" sz="2000" dirty="0">
+                <a:solidFill>
+                  <a:schemeClr val="bg2">
+                    <a:lumMod val="50000"/>
+                  </a:schemeClr>
+                </a:solidFill>
+              </a:rPr>
+              <a:t>Ludovic TOLLET     </a:t>
+            </a:r>
+            <a:endParaRPr lang="fr-FR" sz="2000" b="1" dirty="0">
+              <a:solidFill>
+                <a:schemeClr val="bg2">
+                  <a:lumMod val="50000"/>
+                </a:schemeClr>
+              </a:solidFill>
+            </a:endParaRPr>
+          </a:p>
+          <a:p>
+            <a:r>
+              <a:rPr lang="fr-FR" sz="2000" dirty="0">
+                <a:solidFill>
+                  <a:schemeClr val="bg2">
+                    <a:lumMod val="50000"/>
+                  </a:schemeClr>
+                </a:solidFill>
+              </a:rPr>
+              <a:t>Karim KAMOUN           </a:t>
             </a:r>
           </a:p>
         </p:txBody>
@@ -3648,8 +3763,15 @@
           <a:lstStyle/>
           <a:p>
             <a:r>
-              <a:rPr lang="fr-FR" dirty="0"/>
-              <a:t>Cahier des charges</a:t>
+              <a:rPr lang="fr-FR" b="1" dirty="0">
+                <a:solidFill>
+                  <a:schemeClr val="accent1">
+                    <a:lumMod val="50000"/>
+                  </a:schemeClr>
+                </a:solidFill>
+                <a:latin typeface="+mn-lt"/>
+              </a:rPr>
+              <a:t>Cahier des charges :</a:t>
             </a:r>
           </a:p>
         </p:txBody>
@@ -4765,29 +4887,41 @@
             <p:ph type="title"/>
           </p:nvPr>
         </p:nvSpPr>
-        <p:spPr/>
+        <p:spPr>
+          <a:xfrm>
+            <a:off x="838200" y="124757"/>
+            <a:ext cx="10515600" cy="1325563"/>
+          </a:xfrm>
+        </p:spPr>
         <p:txBody>
           <a:bodyPr/>
           <a:lstStyle/>
           <a:p>
             <a:r>
-              <a:rPr lang="fr-FR" dirty="0"/>
-              <a:t>Interface du site</a:t>
+              <a:rPr lang="fr-FR" b="1" dirty="0">
+                <a:solidFill>
+                  <a:schemeClr val="accent1">
+                    <a:lumMod val="50000"/>
+                  </a:schemeClr>
+                </a:solidFill>
+                <a:latin typeface="+mn-lt"/>
+              </a:rPr>
+              <a:t>Interface du site :</a:t>
             </a:r>
           </a:p>
         </p:txBody>
       </p:sp>
       <p:pic>
         <p:nvPicPr>
-          <p:cNvPr id="2050" name="Picture 2" descr="Aucune description disponible.">
-            <a:extLst>
-              <a:ext uri="{FF2B5EF4-FFF2-40B4-BE49-F238E27FC236}">
-                <a16:creationId xmlns:a16="http://schemas.microsoft.com/office/drawing/2014/main" id="{728F759D-2174-14D3-DEB6-78EC77BB6A46}"/>
+          <p:cNvPr id="6" name="Espace réservé du contenu 5">
+            <a:extLst>
+              <a:ext uri="{FF2B5EF4-FFF2-40B4-BE49-F238E27FC236}">
+                <a16:creationId xmlns:a16="http://schemas.microsoft.com/office/drawing/2014/main" id="{5B5CA818-E358-1C49-845D-A420DAB83BAA}"/>
               </a:ext>
             </a:extLst>
           </p:cNvPr>
           <p:cNvPicPr>
-            <a:picLocks noGrp="1" noChangeAspect="1" noChangeArrowheads="1"/>
+            <a:picLocks noGrp="1" noChangeAspect="1"/>
           </p:cNvPicPr>
           <p:nvPr>
             <p:ph idx="1"/>
@@ -4801,27 +4935,14 @@
               </a:ext>
             </a:extLst>
           </a:blip>
-          <a:srcRect r="636"/>
+          <a:srcRect t="1024" r="1221" b="7372"/>
           <a:stretch/>
         </p:blipFill>
-        <p:spPr bwMode="auto">
+        <p:spPr>
           <a:xfrm>
-            <a:off x="1524000" y="1450320"/>
-            <a:ext cx="9144000" cy="5233911"/>
+            <a:off x="1212272" y="1173229"/>
+            <a:ext cx="9767455" cy="5151737"/>
           </a:xfrm>
-          <a:prstGeom prst="rect">
-            <a:avLst/>
-          </a:prstGeom>
-          <a:noFill/>
-          <a:extLst>
-            <a:ext uri="{909E8E84-426E-40DD-AFC4-6F175D3DCCD1}">
-              <a14:hiddenFill xmlns:a14="http://schemas.microsoft.com/office/drawing/2010/main">
-                <a:solidFill>
-                  <a:srgbClr val="FFFFFF"/>
-                </a:solidFill>
-              </a14:hiddenFill>
-            </a:ext>
-          </a:extLst>
         </p:spPr>
       </p:pic>
     </p:spTree>
@@ -4876,8 +4997,15 @@
           <a:lstStyle/>
           <a:p>
             <a:r>
-              <a:rPr lang="fr-FR" dirty="0"/>
-              <a:t>Choix des paramètres</a:t>
+              <a:rPr lang="fr-FR" b="1" dirty="0">
+                <a:solidFill>
+                  <a:schemeClr val="accent1">
+                    <a:lumMod val="50000"/>
+                  </a:schemeClr>
+                </a:solidFill>
+                <a:latin typeface="+mn-lt"/>
+              </a:rPr>
+              <a:t>Choix des paramètres :</a:t>
             </a:r>
           </a:p>
         </p:txBody>
@@ -4945,7 +5073,7 @@
             <p:ph idx="1"/>
           </p:nvPr>
         </p:nvPicPr>
-        <p:blipFill>
+        <p:blipFill rotWithShape="1">
           <a:blip r:embed="rId3">
             <a:extLst>
               <a:ext uri="{28A0092B-C50C-407E-A947-70E740481C1C}">
@@ -4953,15 +5081,13 @@
               </a:ext>
             </a:extLst>
           </a:blip>
-          <a:srcRect/>
-          <a:stretch>
-            <a:fillRect/>
-          </a:stretch>
+          <a:srcRect l="2385" t="1735" b="-1735"/>
+          <a:stretch/>
         </p:blipFill>
         <p:spPr bwMode="auto">
           <a:xfrm>
-            <a:off x="6847508" y="2150621"/>
-            <a:ext cx="4506292" cy="4396917"/>
+            <a:off x="6847508" y="2103012"/>
+            <a:ext cx="4398818" cy="4396917"/>
           </a:xfrm>
           <a:prstGeom prst="rect">
             <a:avLst/>
@@ -5039,8 +5165,8 @@
         </p:nvSpPr>
         <p:spPr>
           <a:xfrm>
-            <a:off x="6982630" y="1446902"/>
-            <a:ext cx="2652823" cy="646331"/>
+            <a:off x="6847508" y="1689656"/>
+            <a:ext cx="3622180" cy="369332"/>
           </a:xfrm>
           <a:prstGeom prst="rect">
             <a:avLst/>
@@ -5074,7 +5200,7 @@
         </p:nvSpPr>
         <p:spPr>
           <a:xfrm>
-            <a:off x="995150" y="1830299"/>
+            <a:off x="839431" y="1918346"/>
             <a:ext cx="2420677" cy="369332"/>
           </a:xfrm>
           <a:prstGeom prst="rect">
@@ -5109,7 +5235,7 @@
         </p:nvSpPr>
         <p:spPr>
           <a:xfrm>
-            <a:off x="995150" y="3513083"/>
+            <a:off x="838200" y="3524234"/>
             <a:ext cx="3297841" cy="369332"/>
           </a:xfrm>
           <a:prstGeom prst="rect">
@@ -5182,8 +5308,15 @@
           <a:lstStyle/>
           <a:p>
             <a:r>
-              <a:rPr lang="fr-FR" dirty="0"/>
-              <a:t>Courbe tracée par le site</a:t>
+              <a:rPr lang="fr-FR" b="1" dirty="0">
+                <a:solidFill>
+                  <a:schemeClr val="accent1">
+                    <a:lumMod val="50000"/>
+                  </a:schemeClr>
+                </a:solidFill>
+                <a:latin typeface="+mn-lt"/>
+              </a:rPr>
+              <a:t>Données affichées par le site :</a:t>
             </a:r>
           </a:p>
         </p:txBody>
@@ -5326,20 +5459,51 @@
             <p:ph type="title"/>
           </p:nvPr>
         </p:nvSpPr>
-        <p:spPr/>
-        <p:txBody>
-          <a:bodyPr/>
-          <a:lstStyle/>
-          <a:p>
-            <a:r>
-              <a:rPr lang="fr-FR" dirty="0"/>
-              <a:t>Problème rencontrer avec la fonction </a:t>
-            </a:r>
-            <a:r>
-              <a:rPr lang="fr-FR" dirty="0" err="1"/>
+        <p:spPr>
+          <a:xfrm>
+            <a:off x="340239" y="365125"/>
+            <a:ext cx="11424297" cy="1325563"/>
+          </a:xfrm>
+        </p:spPr>
+        <p:txBody>
+          <a:bodyPr>
+            <a:normAutofit/>
+          </a:bodyPr>
+          <a:lstStyle/>
+          <a:p>
+            <a:r>
+              <a:rPr lang="fr-FR" sz="3900" b="1" dirty="0">
+                <a:solidFill>
+                  <a:schemeClr val="accent1">
+                    <a:lumMod val="50000"/>
+                  </a:schemeClr>
+                </a:solidFill>
+                <a:latin typeface="+mn-lt"/>
+              </a:rPr>
+              <a:t>Problème rencontré avec la fonction </a:t>
+            </a:r>
+            <a:r>
+              <a:rPr lang="fr-FR" sz="3900" b="1" dirty="0" err="1">
+                <a:solidFill>
+                  <a:schemeClr val="accent1">
+                    <a:lumMod val="50000"/>
+                  </a:schemeClr>
+                </a:solidFill>
+                <a:latin typeface="+mn-lt"/>
+              </a:rPr>
               <a:t>send_pollution</a:t>
             </a:r>
-            <a:endParaRPr lang="fr-FR" dirty="0"/>
+            <a:r>
+              <a:rPr lang="fr-FR" sz="3900" b="1" dirty="0">
+                <a:solidFill>
+                  <a:schemeClr val="accent1">
+                    <a:lumMod val="50000"/>
+                  </a:schemeClr>
+                </a:solidFill>
+                <a:latin typeface="+mn-lt"/>
+              </a:rPr>
+              <a:t> :</a:t>
+            </a:r>
           </a:p>
         </p:txBody>
       </p:sp>
@@ -5374,8 +5538,8 @@
         </p:blipFill>
         <p:spPr bwMode="auto">
           <a:xfrm>
-            <a:off x="340240" y="2190683"/>
-            <a:ext cx="5393679" cy="3298162"/>
+            <a:off x="281864" y="1690687"/>
+            <a:ext cx="5770523" cy="3798157"/>
           </a:xfrm>
           <a:prstGeom prst="rect">
             <a:avLst/>
@@ -5421,8 +5585,8 @@
         </p:blipFill>
         <p:spPr bwMode="auto">
           <a:xfrm>
-            <a:off x="6096000" y="2190684"/>
-            <a:ext cx="5553155" cy="3298162"/>
+            <a:off x="6274314" y="1690687"/>
+            <a:ext cx="5668536" cy="3798158"/>
           </a:xfrm>
           <a:prstGeom prst="rect">
             <a:avLst/>
@@ -5468,7 +5632,7 @@
         </p:blipFill>
         <p:spPr bwMode="auto">
           <a:xfrm>
-            <a:off x="2539606" y="5879804"/>
+            <a:off x="2742392" y="5946711"/>
             <a:ext cx="6619990" cy="503991"/>
           </a:xfrm>
           <a:prstGeom prst="rect">
@@ -5486,6 +5650,41 @@
           </a:extLst>
         </p:spPr>
       </p:pic>
+      <p:sp>
+        <p:nvSpPr>
+          <p:cNvPr id="3" name="ZoneTexte 2">
+            <a:extLst>
+              <a:ext uri="{FF2B5EF4-FFF2-40B4-BE49-F238E27FC236}">
+                <a16:creationId xmlns:a16="http://schemas.microsoft.com/office/drawing/2014/main" id="{8B06F2D7-2400-504A-8C60-67BA798EF9B5}"/>
+              </a:ext>
+            </a:extLst>
+          </p:cNvPr>
+          <p:cNvSpPr txBox="1"/>
+          <p:nvPr/>
+        </p:nvSpPr>
+        <p:spPr>
+          <a:xfrm>
+            <a:off x="1126274" y="5829374"/>
+            <a:ext cx="1773044" cy="369332"/>
+          </a:xfrm>
+          <a:prstGeom prst="rect">
+            <a:avLst/>
+          </a:prstGeom>
+          <a:noFill/>
+        </p:spPr>
+        <p:txBody>
+          <a:bodyPr wrap="square" rtlCol="0">
+            <a:spAutoFit/>
+          </a:bodyPr>
+          <a:lstStyle/>
+          <a:p>
+            <a:r>
+              <a:rPr lang="fr-FR" dirty="0"/>
+              <a:t>Code d’erreur : </a:t>
+            </a:r>
+          </a:p>
+        </p:txBody>
+      </p:sp>
     </p:spTree>
     <p:extLst>
       <p:ext uri="{BB962C8B-B14F-4D97-AF65-F5344CB8AC3E}">
@@ -5532,13 +5731,25 @@
             <p:ph type="title"/>
           </p:nvPr>
         </p:nvSpPr>
-        <p:spPr/>
+        <p:spPr>
+          <a:xfrm>
+            <a:off x="259799" y="264190"/>
+            <a:ext cx="10515600" cy="1325563"/>
+          </a:xfrm>
+        </p:spPr>
         <p:txBody>
           <a:bodyPr/>
           <a:lstStyle/>
           <a:p>
             <a:r>
-              <a:rPr lang="fr-FR" dirty="0"/>
+              <a:rPr lang="fr-FR" b="1" dirty="0">
+                <a:solidFill>
+                  <a:schemeClr val="accent1">
+                    <a:lumMod val="50000"/>
+                  </a:schemeClr>
+                </a:solidFill>
+                <a:latin typeface="+mn-lt"/>
+              </a:rPr>
               <a:t>Pour aller plus loin</a:t>
             </a:r>
           </a:p>
@@ -5575,8 +5786,8 @@
         </p:blipFill>
         <p:spPr bwMode="auto">
           <a:xfrm>
-            <a:off x="259799" y="1818886"/>
-            <a:ext cx="6220746" cy="3497973"/>
+            <a:off x="259799" y="1929161"/>
+            <a:ext cx="6024634" cy="3387698"/>
           </a:xfrm>
           <a:prstGeom prst="rect">
             <a:avLst/>
@@ -5622,8 +5833,8 @@
         </p:blipFill>
         <p:spPr bwMode="auto">
           <a:xfrm>
-            <a:off x="7953153" y="516565"/>
-            <a:ext cx="3218122" cy="2476445"/>
+            <a:off x="8262957" y="264190"/>
+            <a:ext cx="2411320" cy="1855586"/>
           </a:xfrm>
           <a:prstGeom prst="rect">
             <a:avLst/>
@@ -5654,7 +5865,7 @@
           </p:cNvPicPr>
           <p:nvPr/>
         </p:nvPicPr>
-        <p:blipFill>
+        <p:blipFill rotWithShape="1">
           <a:blip r:embed="rId4">
             <a:extLst>
               <a:ext uri="{28A0092B-C50C-407E-A947-70E740481C1C}">
@@ -5662,15 +5873,13 @@
               </a:ext>
             </a:extLst>
           </a:blip>
-          <a:srcRect/>
-          <a:stretch>
-            <a:fillRect/>
-          </a:stretch>
+          <a:srcRect t="5595" b="13232"/>
+          <a:stretch/>
         </p:blipFill>
         <p:spPr bwMode="auto">
           <a:xfrm>
-            <a:off x="7150395" y="3451276"/>
-            <a:ext cx="4335238" cy="2890159"/>
+            <a:off x="7150395" y="3177166"/>
+            <a:ext cx="4636444" cy="2509025"/>
           </a:xfrm>
           <a:prstGeom prst="rect">
             <a:avLst/>
@@ -5687,6 +5896,113 @@
           </a:extLst>
         </p:spPr>
       </p:pic>
+      <p:sp>
+        <p:nvSpPr>
+          <p:cNvPr id="3" name="ZoneTexte 2">
+            <a:extLst>
+              <a:ext uri="{FF2B5EF4-FFF2-40B4-BE49-F238E27FC236}">
+                <a16:creationId xmlns:a16="http://schemas.microsoft.com/office/drawing/2014/main" id="{44479522-30D7-8E43-A054-9C89697C5822}"/>
+              </a:ext>
+            </a:extLst>
+          </p:cNvPr>
+          <p:cNvSpPr txBox="1"/>
+          <p:nvPr/>
+        </p:nvSpPr>
+        <p:spPr>
+          <a:xfrm>
+            <a:off x="408680" y="5316859"/>
+            <a:ext cx="5726872" cy="369332"/>
+          </a:xfrm>
+          <a:prstGeom prst="rect">
+            <a:avLst/>
+          </a:prstGeom>
+          <a:noFill/>
+        </p:spPr>
+        <p:txBody>
+          <a:bodyPr wrap="square" rtlCol="0">
+            <a:spAutoFit/>
+          </a:bodyPr>
+          <a:lstStyle/>
+          <a:p>
+            <a:r>
+              <a:rPr lang="fr-FR" dirty="0"/>
+              <a:t>Ajout d’une carte de chaleur en plus de la carte glissante</a:t>
+            </a:r>
+          </a:p>
+        </p:txBody>
+      </p:sp>
+      <p:sp>
+        <p:nvSpPr>
+          <p:cNvPr id="4" name="ZoneTexte 3">
+            <a:extLst>
+              <a:ext uri="{FF2B5EF4-FFF2-40B4-BE49-F238E27FC236}">
+                <a16:creationId xmlns:a16="http://schemas.microsoft.com/office/drawing/2014/main" id="{A6AA12BA-590E-2640-A2E6-11572B35670A}"/>
+              </a:ext>
+            </a:extLst>
+          </p:cNvPr>
+          <p:cNvSpPr txBox="1"/>
+          <p:nvPr/>
+        </p:nvSpPr>
+        <p:spPr>
+          <a:xfrm>
+            <a:off x="7237141" y="2402268"/>
+            <a:ext cx="4282069" cy="369332"/>
+          </a:xfrm>
+          <a:prstGeom prst="rect">
+            <a:avLst/>
+          </a:prstGeom>
+          <a:noFill/>
+        </p:spPr>
+        <p:txBody>
+          <a:bodyPr wrap="square" rtlCol="0">
+            <a:spAutoFit/>
+          </a:bodyPr>
+          <a:lstStyle/>
+          <a:p>
+            <a:pPr algn="ctr"/>
+            <a:r>
+              <a:rPr lang="fr-FR" dirty="0"/>
+              <a:t>Ajout du son dans l’interface</a:t>
+            </a:r>
+          </a:p>
+        </p:txBody>
+      </p:sp>
+      <p:sp>
+        <p:nvSpPr>
+          <p:cNvPr id="5" name="ZoneTexte 4">
+            <a:extLst>
+              <a:ext uri="{FF2B5EF4-FFF2-40B4-BE49-F238E27FC236}">
+                <a16:creationId xmlns:a16="http://schemas.microsoft.com/office/drawing/2014/main" id="{7322582E-CB28-3F4D-A055-7994E58C97F9}"/>
+              </a:ext>
+            </a:extLst>
+          </p:cNvPr>
+          <p:cNvSpPr txBox="1"/>
+          <p:nvPr/>
+        </p:nvSpPr>
+        <p:spPr>
+          <a:xfrm>
+            <a:off x="7237142" y="5676889"/>
+            <a:ext cx="4549698" cy="646331"/>
+          </a:xfrm>
+          <a:prstGeom prst="rect">
+            <a:avLst/>
+          </a:prstGeom>
+          <a:noFill/>
+        </p:spPr>
+        <p:txBody>
+          <a:bodyPr wrap="square" rtlCol="0">
+            <a:spAutoFit/>
+          </a:bodyPr>
+          <a:lstStyle/>
+          <a:p>
+            <a:pPr algn="ctr"/>
+            <a:r>
+              <a:rPr lang="fr-FR" dirty="0"/>
+              <a:t>Mettre en place une page d’accueil avant de se rendre sur la page principale </a:t>
+            </a:r>
+          </a:p>
+        </p:txBody>
+      </p:sp>
     </p:spTree>
     <p:extLst>
       <p:ext uri="{BB962C8B-B14F-4D97-AF65-F5344CB8AC3E}">
@@ -5745,8 +6061,15 @@
           <a:p>
             <a:pPr algn="ctr"/>
             <a:r>
-              <a:rPr lang="fr-FR" dirty="0"/>
-              <a:t>Merci</a:t>
+              <a:rPr lang="fr-FR" b="1" dirty="0">
+                <a:solidFill>
+                  <a:schemeClr val="accent1">
+                    <a:lumMod val="50000"/>
+                  </a:schemeClr>
+                </a:solidFill>
+                <a:latin typeface="+mn-lt"/>
+              </a:rPr>
+              <a:t>Merci Pour votre attention</a:t>
             </a:r>
           </a:p>
         </p:txBody>

--- a/Projet WEB.pptx
+++ b/Projet WEB.pptx
@@ -123,11 +123,26 @@
 <pc:chgInfo xmlns:a="http://schemas.openxmlformats.org/drawingml/2006/main" xmlns:r="http://schemas.openxmlformats.org/officeDocument/2006/relationships" xmlns:ac="http://schemas.microsoft.com/office/drawing/2013/main/command" xmlns:pc="http://schemas.microsoft.com/office/powerpoint/2013/main/command">
   <pc:docChgLst>
     <pc:chgData name="Ludovic Tollet" userId="0ec91c370ed981f6" providerId="LiveId" clId="{C5EDAD58-31D5-4702-ACB5-FB9031F179AA}"/>
-    <pc:docChg chg="custSel addSld delSld modSld sldOrd">
-      <pc:chgData name="Ludovic Tollet" userId="0ec91c370ed981f6" providerId="LiveId" clId="{C5EDAD58-31D5-4702-ACB5-FB9031F179AA}" dt="2024-01-18T17:32:24.112" v="142" actId="1076"/>
+    <pc:docChg chg="undo custSel addSld delSld modSld sldOrd">
+      <pc:chgData name="Ludovic Tollet" userId="0ec91c370ed981f6" providerId="LiveId" clId="{C5EDAD58-31D5-4702-ACB5-FB9031F179AA}" dt="2024-01-19T07:52:02.308" v="151" actId="14100"/>
       <pc:docMkLst>
         <pc:docMk/>
       </pc:docMkLst>
+      <pc:sldChg chg="modSp mod">
+        <pc:chgData name="Ludovic Tollet" userId="0ec91c370ed981f6" providerId="LiveId" clId="{C5EDAD58-31D5-4702-ACB5-FB9031F179AA}" dt="2024-01-19T07:52:02.308" v="151" actId="14100"/>
+        <pc:sldMkLst>
+          <pc:docMk/>
+          <pc:sldMk cId="3397611374" sldId="257"/>
+        </pc:sldMkLst>
+        <pc:graphicFrameChg chg="mod modGraphic">
+          <ac:chgData name="Ludovic Tollet" userId="0ec91c370ed981f6" providerId="LiveId" clId="{C5EDAD58-31D5-4702-ACB5-FB9031F179AA}" dt="2024-01-19T07:52:02.308" v="151" actId="14100"/>
+          <ac:graphicFrameMkLst>
+            <pc:docMk/>
+            <pc:sldMk cId="3397611374" sldId="257"/>
+            <ac:graphicFrameMk id="5" creationId="{4B3DBED6-6DA6-ECF1-9BF4-E51BCF3A2EEC}"/>
+          </ac:graphicFrameMkLst>
+        </pc:graphicFrameChg>
+      </pc:sldChg>
       <pc:sldChg chg="modSp">
         <pc:chgData name="Ludovic Tollet" userId="0ec91c370ed981f6" providerId="LiveId" clId="{C5EDAD58-31D5-4702-ACB5-FB9031F179AA}" dt="2024-01-18T17:28:50.239" v="118" actId="1076"/>
         <pc:sldMkLst>
@@ -466,7 +481,7 @@
           <a:p>
             <a:fld id="{46D7BCB1-ABE5-4A64-9D7E-BD25A432E627}" type="datetimeFigureOut">
               <a:rPr lang="fr-FR" smtClean="0"/>
-              <a:t>18/01/2024</a:t>
+              <a:t>19/01/2024</a:t>
             </a:fld>
             <a:endParaRPr lang="fr-FR"/>
           </a:p>
@@ -664,7 +679,7 @@
           <a:p>
             <a:fld id="{46D7BCB1-ABE5-4A64-9D7E-BD25A432E627}" type="datetimeFigureOut">
               <a:rPr lang="fr-FR" smtClean="0"/>
-              <a:t>18/01/2024</a:t>
+              <a:t>19/01/2024</a:t>
             </a:fld>
             <a:endParaRPr lang="fr-FR"/>
           </a:p>
@@ -872,7 +887,7 @@
           <a:p>
             <a:fld id="{46D7BCB1-ABE5-4A64-9D7E-BD25A432E627}" type="datetimeFigureOut">
               <a:rPr lang="fr-FR" smtClean="0"/>
-              <a:t>18/01/2024</a:t>
+              <a:t>19/01/2024</a:t>
             </a:fld>
             <a:endParaRPr lang="fr-FR"/>
           </a:p>
@@ -1070,7 +1085,7 @@
           <a:p>
             <a:fld id="{46D7BCB1-ABE5-4A64-9D7E-BD25A432E627}" type="datetimeFigureOut">
               <a:rPr lang="fr-FR" smtClean="0"/>
-              <a:t>18/01/2024</a:t>
+              <a:t>19/01/2024</a:t>
             </a:fld>
             <a:endParaRPr lang="fr-FR"/>
           </a:p>
@@ -1345,7 +1360,7 @@
           <a:p>
             <a:fld id="{46D7BCB1-ABE5-4A64-9D7E-BD25A432E627}" type="datetimeFigureOut">
               <a:rPr lang="fr-FR" smtClean="0"/>
-              <a:t>18/01/2024</a:t>
+              <a:t>19/01/2024</a:t>
             </a:fld>
             <a:endParaRPr lang="fr-FR"/>
           </a:p>
@@ -1610,7 +1625,7 @@
           <a:p>
             <a:fld id="{46D7BCB1-ABE5-4A64-9D7E-BD25A432E627}" type="datetimeFigureOut">
               <a:rPr lang="fr-FR" smtClean="0"/>
-              <a:t>18/01/2024</a:t>
+              <a:t>19/01/2024</a:t>
             </a:fld>
             <a:endParaRPr lang="fr-FR"/>
           </a:p>
@@ -2022,7 +2037,7 @@
           <a:p>
             <a:fld id="{46D7BCB1-ABE5-4A64-9D7E-BD25A432E627}" type="datetimeFigureOut">
               <a:rPr lang="fr-FR" smtClean="0"/>
-              <a:t>18/01/2024</a:t>
+              <a:t>19/01/2024</a:t>
             </a:fld>
             <a:endParaRPr lang="fr-FR"/>
           </a:p>
@@ -2163,7 +2178,7 @@
           <a:p>
             <a:fld id="{46D7BCB1-ABE5-4A64-9D7E-BD25A432E627}" type="datetimeFigureOut">
               <a:rPr lang="fr-FR" smtClean="0"/>
-              <a:t>18/01/2024</a:t>
+              <a:t>19/01/2024</a:t>
             </a:fld>
             <a:endParaRPr lang="fr-FR"/>
           </a:p>
@@ -2276,7 +2291,7 @@
           <a:p>
             <a:fld id="{46D7BCB1-ABE5-4A64-9D7E-BD25A432E627}" type="datetimeFigureOut">
               <a:rPr lang="fr-FR" smtClean="0"/>
-              <a:t>18/01/2024</a:t>
+              <a:t>19/01/2024</a:t>
             </a:fld>
             <a:endParaRPr lang="fr-FR"/>
           </a:p>
@@ -2587,7 +2602,7 @@
           <a:p>
             <a:fld id="{46D7BCB1-ABE5-4A64-9D7E-BD25A432E627}" type="datetimeFigureOut">
               <a:rPr lang="fr-FR" smtClean="0"/>
-              <a:t>18/01/2024</a:t>
+              <a:t>19/01/2024</a:t>
             </a:fld>
             <a:endParaRPr lang="fr-FR"/>
           </a:p>
@@ -2875,7 +2890,7 @@
           <a:p>
             <a:fld id="{46D7BCB1-ABE5-4A64-9D7E-BD25A432E627}" type="datetimeFigureOut">
               <a:rPr lang="fr-FR" smtClean="0"/>
-              <a:t>18/01/2024</a:t>
+              <a:t>19/01/2024</a:t>
             </a:fld>
             <a:endParaRPr lang="fr-FR"/>
           </a:p>
@@ -3116,7 +3131,7 @@
           <a:p>
             <a:fld id="{46D7BCB1-ABE5-4A64-9D7E-BD25A432E627}" type="datetimeFigureOut">
               <a:rPr lang="fr-FR" smtClean="0"/>
-              <a:t>18/01/2024</a:t>
+              <a:t>19/01/2024</a:t>
             </a:fld>
             <a:endParaRPr lang="fr-FR"/>
           </a:p>
@@ -3792,28 +3807,28 @@
             <p:ph idx="1"/>
             <p:extLst>
               <p:ext uri="{D42A27DB-BD31-4B8C-83A1-F6EECF244321}">
-                <p14:modId xmlns:p14="http://schemas.microsoft.com/office/powerpoint/2010/main" val="4239587875"/>
+                <p14:modId xmlns:p14="http://schemas.microsoft.com/office/powerpoint/2010/main" val="329169562"/>
               </p:ext>
             </p:extLst>
           </p:nvPr>
         </p:nvGraphicFramePr>
         <p:xfrm>
-          <a:off x="1642731" y="1690689"/>
-          <a:ext cx="7710521" cy="4742008"/>
+          <a:off x="1642731" y="1690688"/>
+          <a:ext cx="7974418" cy="4672896"/>
         </p:xfrm>
         <a:graphic>
           <a:graphicData uri="http://schemas.openxmlformats.org/drawingml/2006/table">
             <a:tbl>
               <a:tblPr/>
               <a:tblGrid>
-                <a:gridCol w="1158948">
+                <a:gridCol w="1198614">
                   <a:extLst>
                     <a:ext uri="{9D8B030D-6E8A-4147-A177-3AD203B41FA5}">
                       <a16:colId xmlns:a16="http://schemas.microsoft.com/office/drawing/2014/main" val="2574823100"/>
                     </a:ext>
                   </a:extLst>
                 </a:gridCol>
-                <a:gridCol w="6551573">
+                <a:gridCol w="6775804">
                   <a:extLst>
                     <a:ext uri="{9D8B030D-6E8A-4147-A177-3AD203B41FA5}">
                       <a16:colId xmlns:a16="http://schemas.microsoft.com/office/drawing/2014/main" val="322060467"/>
@@ -3821,7 +3836,7 @@
                   </a:extLst>
                 </a:gridCol>
               </a:tblGrid>
-              <a:tr h="373754">
+              <a:tr h="384107">
                 <a:tc>
                   <a:txBody>
                     <a:bodyPr/>
@@ -3948,7 +3963,7 @@
                   </a:ext>
                 </a:extLst>
               </a:tr>
-              <a:tr h="373754">
+              <a:tr h="384107">
                 <a:tc>
                   <a:txBody>
                     <a:bodyPr/>
@@ -4075,7 +4090,7 @@
                   </a:ext>
                 </a:extLst>
               </a:tr>
-              <a:tr h="747509">
+              <a:tr h="768214">
                 <a:tc>
                   <a:txBody>
                     <a:bodyPr/>
@@ -4202,7 +4217,7 @@
                   </a:ext>
                 </a:extLst>
               </a:tr>
-              <a:tr h="1004465">
+              <a:tr h="1032288">
                 <a:tc>
                   <a:txBody>
                     <a:bodyPr/>
@@ -4329,7 +4344,7 @@
                   </a:ext>
                 </a:extLst>
               </a:tr>
-              <a:tr h="747509">
+              <a:tr h="768214">
                 <a:tc>
                   <a:txBody>
                     <a:bodyPr/>
@@ -4397,7 +4412,7 @@
                     <a:p>
                       <a:pPr algn="ctr" fontAlgn="ctr"/>
                       <a:r>
-                        <a:rPr lang="fr-FR" sz="1800" b="0" i="0" u="none" strike="noStrike">
+                        <a:rPr lang="fr-FR" sz="1800" b="0" i="0" u="none" strike="noStrike" dirty="0">
                           <a:solidFill>
                             <a:srgbClr val="000000"/>
                           </a:solidFill>
@@ -4456,7 +4471,7 @@
                   </a:ext>
                 </a:extLst>
               </a:tr>
-              <a:tr h="373754">
+              <a:tr h="567752">
                 <a:tc>
                   <a:txBody>
                     <a:bodyPr/>
@@ -4522,17 +4537,43 @@
                     <a:bodyPr/>
                     <a:lstStyle/>
                     <a:p>
-                      <a:pPr algn="ctr" fontAlgn="ctr"/>
+                      <a:pPr marL="0" marR="0" lvl="0" indent="0" algn="ctr" defTabSz="914400" rtl="0" eaLnBrk="1" fontAlgn="ctr" latinLnBrk="0" hangingPunct="1">
+                        <a:lnSpc>
+                          <a:spcPct val="100000"/>
+                        </a:lnSpc>
+                        <a:spcBef>
+                          <a:spcPts val="0"/>
+                        </a:spcBef>
+                        <a:spcAft>
+                          <a:spcPts val="0"/>
+                        </a:spcAft>
+                        <a:buClrTx/>
+                        <a:buSzTx/>
+                        <a:buFontTx/>
+                        <a:buNone/>
+                        <a:tabLst/>
+                        <a:defRPr/>
+                      </a:pPr>
                       <a:r>
-                        <a:rPr lang="fr-FR" sz="1800" b="0" i="0" u="none" strike="noStrike">
+                        <a:rPr lang="fr-FR" sz="1800" b="0" i="0" u="none" strike="noStrike" dirty="0">
                           <a:solidFill>
                             <a:srgbClr val="000000"/>
                           </a:solidFill>
                           <a:effectLst/>
                           <a:latin typeface="Calibri" panose="020F0502020204030204" pitchFamily="34" charset="0"/>
                         </a:rPr>
-                        <a:t>Créer une carte de chaleur</a:t>
+                        <a:t>la page doit être esthétique</a:t>
                       </a:r>
+                    </a:p>
+                    <a:p>
+                      <a:pPr algn="ctr" fontAlgn="ctr"/>
+                      <a:endParaRPr lang="fr-FR" sz="1800" b="0" i="0" u="none" strike="noStrike" dirty="0">
+                        <a:solidFill>
+                          <a:srgbClr val="000000"/>
+                        </a:solidFill>
+                        <a:effectLst/>
+                        <a:latin typeface="Calibri" panose="020F0502020204030204" pitchFamily="34" charset="0"/>
+                      </a:endParaRPr>
                     </a:p>
                   </a:txBody>
                   <a:tcPr marL="3810" marR="3810" marT="3810" marB="0" anchor="ctr">
@@ -4583,7 +4624,7 @@
                   </a:ext>
                 </a:extLst>
               </a:tr>
-              <a:tr h="747509">
+              <a:tr h="768214">
                 <a:tc>
                   <a:txBody>
                     <a:bodyPr/>
@@ -4651,7 +4692,7 @@
                     <a:p>
                       <a:pPr algn="ctr" fontAlgn="ctr"/>
                       <a:r>
-                        <a:rPr lang="fr-FR" sz="1800" b="0" i="0" u="none" strike="noStrike">
+                        <a:rPr lang="fr-FR" sz="1800" b="0" i="0" u="none" strike="noStrike" dirty="0">
                           <a:solidFill>
                             <a:srgbClr val="000000"/>
                           </a:solidFill>
@@ -4707,133 +4748,6 @@
                 <a:extLst>
                   <a:ext uri="{0D108BD9-81ED-4DB2-BD59-A6C34878D82A}">
                     <a16:rowId xmlns:a16="http://schemas.microsoft.com/office/drawing/2014/main" val="667562539"/>
-                  </a:ext>
-                </a:extLst>
-              </a:tr>
-              <a:tr h="373754">
-                <a:tc>
-                  <a:txBody>
-                    <a:bodyPr/>
-                    <a:lstStyle/>
-                    <a:p>
-                      <a:pPr algn="ctr" fontAlgn="ctr"/>
-                      <a:r>
-                        <a:rPr lang="fr-FR" sz="1800" b="0" i="0" u="none" strike="noStrike">
-                          <a:solidFill>
-                            <a:srgbClr val="000000"/>
-                          </a:solidFill>
-                          <a:effectLst/>
-                          <a:latin typeface="Calibri" panose="020F0502020204030204" pitchFamily="34" charset="0"/>
-                        </a:rPr>
-                        <a:t>7</a:t>
-                      </a:r>
-                    </a:p>
-                  </a:txBody>
-                  <a:tcPr marL="3810" marR="3810" marT="3810" marB="0" anchor="ctr">
-                    <a:lnL w="6350" cap="flat" cmpd="sng" algn="ctr">
-                      <a:solidFill>
-                        <a:srgbClr val="000000"/>
-                      </a:solidFill>
-                      <a:prstDash val="solid"/>
-                      <a:round/>
-                      <a:headEnd type="none" w="med" len="med"/>
-                      <a:tailEnd type="none" w="med" len="med"/>
-                    </a:lnL>
-                    <a:lnR w="6350" cap="flat" cmpd="sng" algn="ctr">
-                      <a:solidFill>
-                        <a:srgbClr val="000000"/>
-                      </a:solidFill>
-                      <a:prstDash val="solid"/>
-                      <a:round/>
-                      <a:headEnd type="none" w="med" len="med"/>
-                      <a:tailEnd type="none" w="med" len="med"/>
-                    </a:lnR>
-                    <a:lnT w="6350" cap="flat" cmpd="sng" algn="ctr">
-                      <a:solidFill>
-                        <a:srgbClr val="000000"/>
-                      </a:solidFill>
-                      <a:prstDash val="solid"/>
-                      <a:round/>
-                      <a:headEnd type="none" w="med" len="med"/>
-                      <a:tailEnd type="none" w="med" len="med"/>
-                    </a:lnT>
-                    <a:lnB w="6350" cap="flat" cmpd="sng" algn="ctr">
-                      <a:solidFill>
-                        <a:srgbClr val="000000"/>
-                      </a:solidFill>
-                      <a:prstDash val="solid"/>
-                      <a:round/>
-                      <a:headEnd type="none" w="med" len="med"/>
-                      <a:tailEnd type="none" w="med" len="med"/>
-                    </a:lnB>
-                    <a:solidFill>
-                      <a:srgbClr val="C9C9C9"/>
-                    </a:solidFill>
-                  </a:tcPr>
-                </a:tc>
-                <a:tc>
-                  <a:txBody>
-                    <a:bodyPr/>
-                    <a:lstStyle/>
-                    <a:p>
-                      <a:pPr algn="ctr" fontAlgn="ctr"/>
-                      <a:r>
-                        <a:rPr lang="fr-FR" sz="1800" b="0" i="0" u="none" strike="noStrike" dirty="0">
-                          <a:solidFill>
-                            <a:srgbClr val="000000"/>
-                          </a:solidFill>
-                          <a:effectLst/>
-                          <a:latin typeface="Calibri" panose="020F0502020204030204" pitchFamily="34" charset="0"/>
-                        </a:rPr>
-                        <a:t>la page doit être esthétique</a:t>
-                      </a:r>
-                    </a:p>
-                  </a:txBody>
-                  <a:tcPr marL="3810" marR="3810" marT="3810" marB="0" anchor="ctr">
-                    <a:lnL w="6350" cap="flat" cmpd="sng" algn="ctr">
-                      <a:solidFill>
-                        <a:srgbClr val="000000"/>
-                      </a:solidFill>
-                      <a:prstDash val="solid"/>
-                      <a:round/>
-                      <a:headEnd type="none" w="med" len="med"/>
-                      <a:tailEnd type="none" w="med" len="med"/>
-                    </a:lnL>
-                    <a:lnR w="6350" cap="flat" cmpd="sng" algn="ctr">
-                      <a:solidFill>
-                        <a:srgbClr val="000000"/>
-                      </a:solidFill>
-                      <a:prstDash val="solid"/>
-                      <a:round/>
-                      <a:headEnd type="none" w="med" len="med"/>
-                      <a:tailEnd type="none" w="med" len="med"/>
-                    </a:lnR>
-                    <a:lnT w="6350" cap="flat" cmpd="sng" algn="ctr">
-                      <a:solidFill>
-                        <a:srgbClr val="000000"/>
-                      </a:solidFill>
-                      <a:prstDash val="solid"/>
-                      <a:round/>
-                      <a:headEnd type="none" w="med" len="med"/>
-                      <a:tailEnd type="none" w="med" len="med"/>
-                    </a:lnT>
-                    <a:lnB w="6350" cap="flat" cmpd="sng" algn="ctr">
-                      <a:solidFill>
-                        <a:srgbClr val="000000"/>
-                      </a:solidFill>
-                      <a:prstDash val="solid"/>
-                      <a:round/>
-                      <a:headEnd type="none" w="med" len="med"/>
-                      <a:tailEnd type="none" w="med" len="med"/>
-                    </a:lnB>
-                    <a:solidFill>
-                      <a:srgbClr val="C9C9C9"/>
-                    </a:solidFill>
-                  </a:tcPr>
-                </a:tc>
-                <a:extLst>
-                  <a:ext uri="{0D108BD9-81ED-4DB2-BD59-A6C34878D82A}">
-                    <a16:rowId xmlns:a16="http://schemas.microsoft.com/office/drawing/2014/main" val="2855553248"/>
                   </a:ext>
                 </a:extLst>
               </a:tr>
